--- a/learingMaterial/Clean Code/clean code.pptx
+++ b/learingMaterial/Clean Code/clean code.pptx
@@ -106,6 +106,11 @@
       </a:defRPr>
     </a:lvl9pPr>
   </p:defaultTextStyle>
+  <p:extLst>
+    <p:ext uri="{EFAFB233-063F-42B5-8137-9DF3F51BA10A}">
+      <p15:sldGuideLst xmlns:p15="http://schemas.microsoft.com/office/powerpoint/2012/main"/>
+    </p:ext>
+  </p:extLst>
 </p:presentation>
 </file>
 
@@ -292,7 +297,7 @@
           <a:p>
             <a:fld id="{6FF697E2-6DBD-431C-977A-3904A4DD5D66}" type="datetimeFigureOut">
               <a:rPr lang="he-IL" smtClean="0"/>
-              <a:t>כ"ח/אדר א/תשע"ט</a:t>
+              <a:t>כ"ט/אדר א/תשע"ט</a:t>
             </a:fld>
             <a:endParaRPr lang="he-IL"/>
           </a:p>
@@ -567,7 +572,7 @@
           <a:p>
             <a:fld id="{6FF697E2-6DBD-431C-977A-3904A4DD5D66}" type="datetimeFigureOut">
               <a:rPr lang="he-IL" smtClean="0"/>
-              <a:t>כ"ח/אדר א/תשע"ט</a:t>
+              <a:t>כ"ט/אדר א/תשע"ט</a:t>
             </a:fld>
             <a:endParaRPr lang="he-IL"/>
           </a:p>
@@ -761,7 +766,7 @@
           <a:p>
             <a:fld id="{6FF697E2-6DBD-431C-977A-3904A4DD5D66}" type="datetimeFigureOut">
               <a:rPr lang="he-IL" smtClean="0"/>
-              <a:t>כ"ח/אדר א/תשע"ט</a:t>
+              <a:t>כ"ט/אדר א/תשע"ט</a:t>
             </a:fld>
             <a:endParaRPr lang="he-IL"/>
           </a:p>
@@ -1029,7 +1034,7 @@
           <a:p>
             <a:fld id="{6FF697E2-6DBD-431C-977A-3904A4DD5D66}" type="datetimeFigureOut">
               <a:rPr lang="he-IL" smtClean="0"/>
-              <a:t>כ"ח/אדר א/תשע"ט</a:t>
+              <a:t>כ"ט/אדר א/תשע"ט</a:t>
             </a:fld>
             <a:endParaRPr lang="he-IL"/>
           </a:p>
@@ -1361,7 +1366,7 @@
           <a:p>
             <a:fld id="{6FF697E2-6DBD-431C-977A-3904A4DD5D66}" type="datetimeFigureOut">
               <a:rPr lang="he-IL" smtClean="0"/>
-              <a:t>כ"ח/אדר א/תשע"ט</a:t>
+              <a:t>כ"ט/אדר א/תשע"ט</a:t>
             </a:fld>
             <a:endParaRPr lang="he-IL"/>
           </a:p>
@@ -1971,7 +1976,7 @@
           <a:p>
             <a:fld id="{6FF697E2-6DBD-431C-977A-3904A4DD5D66}" type="datetimeFigureOut">
               <a:rPr lang="he-IL" smtClean="0"/>
-              <a:t>כ"ח/אדר א/תשע"ט</a:t>
+              <a:t>כ"ט/אדר א/תשע"ט</a:t>
             </a:fld>
             <a:endParaRPr lang="he-IL"/>
           </a:p>
@@ -2818,7 +2823,7 @@
           <a:p>
             <a:fld id="{6FF697E2-6DBD-431C-977A-3904A4DD5D66}" type="datetimeFigureOut">
               <a:rPr lang="he-IL" smtClean="0"/>
-              <a:t>כ"ח/אדר א/תשע"ט</a:t>
+              <a:t>כ"ט/אדר א/תשע"ט</a:t>
             </a:fld>
             <a:endParaRPr lang="he-IL"/>
           </a:p>
@@ -2988,7 +2993,7 @@
           <a:p>
             <a:fld id="{6FF697E2-6DBD-431C-977A-3904A4DD5D66}" type="datetimeFigureOut">
               <a:rPr lang="he-IL" smtClean="0"/>
-              <a:t>כ"ח/אדר א/תשע"ט</a:t>
+              <a:t>כ"ט/אדר א/תשע"ט</a:t>
             </a:fld>
             <a:endParaRPr lang="he-IL"/>
           </a:p>
@@ -3168,7 +3173,7 @@
           <a:p>
             <a:fld id="{6FF697E2-6DBD-431C-977A-3904A4DD5D66}" type="datetimeFigureOut">
               <a:rPr lang="he-IL" smtClean="0"/>
-              <a:t>כ"ח/אדר א/תשע"ט</a:t>
+              <a:t>כ"ט/אדר א/תשע"ט</a:t>
             </a:fld>
             <a:endParaRPr lang="he-IL"/>
           </a:p>
@@ -3338,7 +3343,7 @@
           <a:p>
             <a:fld id="{6FF697E2-6DBD-431C-977A-3904A4DD5D66}" type="datetimeFigureOut">
               <a:rPr lang="he-IL" smtClean="0"/>
-              <a:t>כ"ח/אדר א/תשע"ט</a:t>
+              <a:t>כ"ט/אדר א/תשע"ט</a:t>
             </a:fld>
             <a:endParaRPr lang="he-IL"/>
           </a:p>
@@ -3582,7 +3587,7 @@
           <a:p>
             <a:fld id="{6FF697E2-6DBD-431C-977A-3904A4DD5D66}" type="datetimeFigureOut">
               <a:rPr lang="he-IL" smtClean="0"/>
-              <a:t>כ"ח/אדר א/תשע"ט</a:t>
+              <a:t>כ"ט/אדר א/תשע"ט</a:t>
             </a:fld>
             <a:endParaRPr lang="he-IL"/>
           </a:p>
@@ -3874,7 +3879,7 @@
           <a:p>
             <a:fld id="{6FF697E2-6DBD-431C-977A-3904A4DD5D66}" type="datetimeFigureOut">
               <a:rPr lang="he-IL" smtClean="0"/>
-              <a:t>כ"ח/אדר א/תשע"ט</a:t>
+              <a:t>כ"ט/אדר א/תשע"ט</a:t>
             </a:fld>
             <a:endParaRPr lang="he-IL"/>
           </a:p>
@@ -4312,7 +4317,7 @@
           <a:p>
             <a:fld id="{6FF697E2-6DBD-431C-977A-3904A4DD5D66}" type="datetimeFigureOut">
               <a:rPr lang="he-IL" smtClean="0"/>
-              <a:t>כ"ח/אדר א/תשע"ט</a:t>
+              <a:t>כ"ט/אדר א/תשע"ט</a:t>
             </a:fld>
             <a:endParaRPr lang="he-IL"/>
           </a:p>
@@ -4430,7 +4435,7 @@
           <a:p>
             <a:fld id="{6FF697E2-6DBD-431C-977A-3904A4DD5D66}" type="datetimeFigureOut">
               <a:rPr lang="he-IL" smtClean="0"/>
-              <a:t>כ"ח/אדר א/תשע"ט</a:t>
+              <a:t>כ"ט/אדר א/תשע"ט</a:t>
             </a:fld>
             <a:endParaRPr lang="he-IL"/>
           </a:p>
@@ -4525,7 +4530,7 @@
           <a:p>
             <a:fld id="{6FF697E2-6DBD-431C-977A-3904A4DD5D66}" type="datetimeFigureOut">
               <a:rPr lang="he-IL" smtClean="0"/>
-              <a:t>כ"ח/אדר א/תשע"ט</a:t>
+              <a:t>כ"ט/אדר א/תשע"ט</a:t>
             </a:fld>
             <a:endParaRPr lang="he-IL"/>
           </a:p>
@@ -4804,7 +4809,7 @@
           <a:p>
             <a:fld id="{6FF697E2-6DBD-431C-977A-3904A4DD5D66}" type="datetimeFigureOut">
               <a:rPr lang="he-IL" smtClean="0"/>
-              <a:t>כ"ח/אדר א/תשע"ט</a:t>
+              <a:t>כ"ט/אדר א/תשע"ט</a:t>
             </a:fld>
             <a:endParaRPr lang="he-IL"/>
           </a:p>
@@ -5079,7 +5084,7 @@
           <a:p>
             <a:fld id="{6FF697E2-6DBD-431C-977A-3904A4DD5D66}" type="datetimeFigureOut">
               <a:rPr lang="he-IL" smtClean="0"/>
-              <a:t>כ"ח/אדר א/תשע"ט</a:t>
+              <a:t>כ"ט/אדר א/תשע"ט</a:t>
             </a:fld>
             <a:endParaRPr lang="he-IL"/>
           </a:p>
@@ -5508,7 +5513,7 @@
           <a:p>
             <a:fld id="{6FF697E2-6DBD-431C-977A-3904A4DD5D66}" type="datetimeFigureOut">
               <a:rPr lang="he-IL" smtClean="0"/>
-              <a:t>כ"ח/אדר א/תשע"ט</a:t>
+              <a:t>כ"ט/אדר א/תשע"ט</a:t>
             </a:fld>
             <a:endParaRPr lang="he-IL"/>
           </a:p>
@@ -6073,6 +6078,13 @@
   <p:clrMapOvr>
     <a:masterClrMapping/>
   </p:clrMapOvr>
+  <p:timing>
+    <p:tnLst>
+      <p:par>
+        <p:cTn id="1" dur="indefinite" restart="never" nodeType="tmRoot"/>
+      </p:par>
+    </p:tnLst>
+  </p:timing>
 </p:sld>
 </file>
 
@@ -6234,6 +6246,13 @@
   <p:clrMapOvr>
     <a:masterClrMapping/>
   </p:clrMapOvr>
+  <p:timing>
+    <p:tnLst>
+      <p:par>
+        <p:cTn id="1" dur="indefinite" restart="never" nodeType="tmRoot"/>
+      </p:par>
+    </p:tnLst>
+  </p:timing>
 </p:sld>
 </file>
 
@@ -6307,15 +6326,7 @@
             <a:pPr algn="l" rtl="0"/>
             <a:r>
               <a:rPr lang="en-US" dirty="0"/>
-              <a:t>Don’t write twice: one code bulk – </a:t>
-            </a:r>
-            <a:r>
-              <a:rPr lang="en-US"/>
-              <a:t>one functionality, </a:t>
-            </a:r>
-            <a:r>
-              <a:rPr lang="en-US" dirty="0"/>
-              <a:t>for all the code.</a:t>
+              <a:t>Don’t write twice: one code bulk – one functionality, for all the code.</a:t>
             </a:r>
           </a:p>
           <a:p>
@@ -6366,6 +6377,654 @@
   <p:clrMapOvr>
     <a:masterClrMapping/>
   </p:clrMapOvr>
+  <p:timing>
+    <p:tnLst>
+      <p:par>
+        <p:cTn id="1" dur="indefinite" restart="never" nodeType="tmRoot">
+          <p:childTnLst>
+            <p:seq concurrent="1" nextAc="seek">
+              <p:cTn id="2" dur="indefinite" nodeType="mainSeq">
+                <p:childTnLst>
+                  <p:par>
+                    <p:cTn id="3" fill="hold">
+                      <p:stCondLst>
+                        <p:cond delay="indefinite"/>
+                      </p:stCondLst>
+                      <p:childTnLst>
+                        <p:par>
+                          <p:cTn id="4" fill="hold">
+                            <p:stCondLst>
+                              <p:cond delay="0"/>
+                            </p:stCondLst>
+                            <p:childTnLst>
+                              <p:par>
+                                <p:cTn id="5" presetID="2" presetClass="entr" presetSubtype="4" fill="hold" nodeType="clickEffect">
+                                  <p:stCondLst>
+                                    <p:cond delay="0"/>
+                                  </p:stCondLst>
+                                  <p:childTnLst>
+                                    <p:set>
+                                      <p:cBhvr>
+                                        <p:cTn id="6" dur="1" fill="hold">
+                                          <p:stCondLst>
+                                            <p:cond delay="0"/>
+                                          </p:stCondLst>
+                                        </p:cTn>
+                                        <p:tgtEl>
+                                          <p:spTgt spid="3">
+                                            <p:txEl>
+                                              <p:pRg st="0" end="0"/>
+                                            </p:txEl>
+                                          </p:spTgt>
+                                        </p:tgtEl>
+                                        <p:attrNameLst>
+                                          <p:attrName>style.visibility</p:attrName>
+                                        </p:attrNameLst>
+                                      </p:cBhvr>
+                                      <p:to>
+                                        <p:strVal val="visible"/>
+                                      </p:to>
+                                    </p:set>
+                                    <p:anim calcmode="lin" valueType="num">
+                                      <p:cBhvr additive="base">
+                                        <p:cTn id="7" dur="500" fill="hold"/>
+                                        <p:tgtEl>
+                                          <p:spTgt spid="3">
+                                            <p:txEl>
+                                              <p:pRg st="0" end="0"/>
+                                            </p:txEl>
+                                          </p:spTgt>
+                                        </p:tgtEl>
+                                        <p:attrNameLst>
+                                          <p:attrName>ppt_x</p:attrName>
+                                        </p:attrNameLst>
+                                      </p:cBhvr>
+                                      <p:tavLst>
+                                        <p:tav tm="0">
+                                          <p:val>
+                                            <p:strVal val="#ppt_x"/>
+                                          </p:val>
+                                        </p:tav>
+                                        <p:tav tm="100000">
+                                          <p:val>
+                                            <p:strVal val="#ppt_x"/>
+                                          </p:val>
+                                        </p:tav>
+                                      </p:tavLst>
+                                    </p:anim>
+                                    <p:anim calcmode="lin" valueType="num">
+                                      <p:cBhvr additive="base">
+                                        <p:cTn id="8" dur="500" fill="hold"/>
+                                        <p:tgtEl>
+                                          <p:spTgt spid="3">
+                                            <p:txEl>
+                                              <p:pRg st="0" end="0"/>
+                                            </p:txEl>
+                                          </p:spTgt>
+                                        </p:tgtEl>
+                                        <p:attrNameLst>
+                                          <p:attrName>ppt_y</p:attrName>
+                                        </p:attrNameLst>
+                                      </p:cBhvr>
+                                      <p:tavLst>
+                                        <p:tav tm="0">
+                                          <p:val>
+                                            <p:strVal val="1+#ppt_h/2"/>
+                                          </p:val>
+                                        </p:tav>
+                                        <p:tav tm="100000">
+                                          <p:val>
+                                            <p:strVal val="#ppt_y"/>
+                                          </p:val>
+                                        </p:tav>
+                                      </p:tavLst>
+                                    </p:anim>
+                                  </p:childTnLst>
+                                </p:cTn>
+                              </p:par>
+                            </p:childTnLst>
+                          </p:cTn>
+                        </p:par>
+                      </p:childTnLst>
+                    </p:cTn>
+                  </p:par>
+                  <p:par>
+                    <p:cTn id="9" fill="hold">
+                      <p:stCondLst>
+                        <p:cond delay="indefinite"/>
+                      </p:stCondLst>
+                      <p:childTnLst>
+                        <p:par>
+                          <p:cTn id="10" fill="hold">
+                            <p:stCondLst>
+                              <p:cond delay="0"/>
+                            </p:stCondLst>
+                            <p:childTnLst>
+                              <p:par>
+                                <p:cTn id="11" presetID="2" presetClass="entr" presetSubtype="4" fill="hold" nodeType="clickEffect">
+                                  <p:stCondLst>
+                                    <p:cond delay="0"/>
+                                  </p:stCondLst>
+                                  <p:childTnLst>
+                                    <p:set>
+                                      <p:cBhvr>
+                                        <p:cTn id="12" dur="1" fill="hold">
+                                          <p:stCondLst>
+                                            <p:cond delay="0"/>
+                                          </p:stCondLst>
+                                        </p:cTn>
+                                        <p:tgtEl>
+                                          <p:spTgt spid="3">
+                                            <p:txEl>
+                                              <p:pRg st="1" end="1"/>
+                                            </p:txEl>
+                                          </p:spTgt>
+                                        </p:tgtEl>
+                                        <p:attrNameLst>
+                                          <p:attrName>style.visibility</p:attrName>
+                                        </p:attrNameLst>
+                                      </p:cBhvr>
+                                      <p:to>
+                                        <p:strVal val="visible"/>
+                                      </p:to>
+                                    </p:set>
+                                    <p:anim calcmode="lin" valueType="num">
+                                      <p:cBhvr additive="base">
+                                        <p:cTn id="13" dur="500" fill="hold"/>
+                                        <p:tgtEl>
+                                          <p:spTgt spid="3">
+                                            <p:txEl>
+                                              <p:pRg st="1" end="1"/>
+                                            </p:txEl>
+                                          </p:spTgt>
+                                        </p:tgtEl>
+                                        <p:attrNameLst>
+                                          <p:attrName>ppt_x</p:attrName>
+                                        </p:attrNameLst>
+                                      </p:cBhvr>
+                                      <p:tavLst>
+                                        <p:tav tm="0">
+                                          <p:val>
+                                            <p:strVal val="#ppt_x"/>
+                                          </p:val>
+                                        </p:tav>
+                                        <p:tav tm="100000">
+                                          <p:val>
+                                            <p:strVal val="#ppt_x"/>
+                                          </p:val>
+                                        </p:tav>
+                                      </p:tavLst>
+                                    </p:anim>
+                                    <p:anim calcmode="lin" valueType="num">
+                                      <p:cBhvr additive="base">
+                                        <p:cTn id="14" dur="500" fill="hold"/>
+                                        <p:tgtEl>
+                                          <p:spTgt spid="3">
+                                            <p:txEl>
+                                              <p:pRg st="1" end="1"/>
+                                            </p:txEl>
+                                          </p:spTgt>
+                                        </p:tgtEl>
+                                        <p:attrNameLst>
+                                          <p:attrName>ppt_y</p:attrName>
+                                        </p:attrNameLst>
+                                      </p:cBhvr>
+                                      <p:tavLst>
+                                        <p:tav tm="0">
+                                          <p:val>
+                                            <p:strVal val="1+#ppt_h/2"/>
+                                          </p:val>
+                                        </p:tav>
+                                        <p:tav tm="100000">
+                                          <p:val>
+                                            <p:strVal val="#ppt_y"/>
+                                          </p:val>
+                                        </p:tav>
+                                      </p:tavLst>
+                                    </p:anim>
+                                  </p:childTnLst>
+                                </p:cTn>
+                              </p:par>
+                            </p:childTnLst>
+                          </p:cTn>
+                        </p:par>
+                      </p:childTnLst>
+                    </p:cTn>
+                  </p:par>
+                  <p:par>
+                    <p:cTn id="15" fill="hold">
+                      <p:stCondLst>
+                        <p:cond delay="indefinite"/>
+                      </p:stCondLst>
+                      <p:childTnLst>
+                        <p:par>
+                          <p:cTn id="16" fill="hold">
+                            <p:stCondLst>
+                              <p:cond delay="0"/>
+                            </p:stCondLst>
+                            <p:childTnLst>
+                              <p:par>
+                                <p:cTn id="17" presetID="2" presetClass="entr" presetSubtype="4" fill="hold" nodeType="clickEffect">
+                                  <p:stCondLst>
+                                    <p:cond delay="0"/>
+                                  </p:stCondLst>
+                                  <p:childTnLst>
+                                    <p:set>
+                                      <p:cBhvr>
+                                        <p:cTn id="18" dur="1" fill="hold">
+                                          <p:stCondLst>
+                                            <p:cond delay="0"/>
+                                          </p:stCondLst>
+                                        </p:cTn>
+                                        <p:tgtEl>
+                                          <p:spTgt spid="3">
+                                            <p:txEl>
+                                              <p:pRg st="2" end="2"/>
+                                            </p:txEl>
+                                          </p:spTgt>
+                                        </p:tgtEl>
+                                        <p:attrNameLst>
+                                          <p:attrName>style.visibility</p:attrName>
+                                        </p:attrNameLst>
+                                      </p:cBhvr>
+                                      <p:to>
+                                        <p:strVal val="visible"/>
+                                      </p:to>
+                                    </p:set>
+                                    <p:anim calcmode="lin" valueType="num">
+                                      <p:cBhvr additive="base">
+                                        <p:cTn id="19" dur="500" fill="hold"/>
+                                        <p:tgtEl>
+                                          <p:spTgt spid="3">
+                                            <p:txEl>
+                                              <p:pRg st="2" end="2"/>
+                                            </p:txEl>
+                                          </p:spTgt>
+                                        </p:tgtEl>
+                                        <p:attrNameLst>
+                                          <p:attrName>ppt_x</p:attrName>
+                                        </p:attrNameLst>
+                                      </p:cBhvr>
+                                      <p:tavLst>
+                                        <p:tav tm="0">
+                                          <p:val>
+                                            <p:strVal val="#ppt_x"/>
+                                          </p:val>
+                                        </p:tav>
+                                        <p:tav tm="100000">
+                                          <p:val>
+                                            <p:strVal val="#ppt_x"/>
+                                          </p:val>
+                                        </p:tav>
+                                      </p:tavLst>
+                                    </p:anim>
+                                    <p:anim calcmode="lin" valueType="num">
+                                      <p:cBhvr additive="base">
+                                        <p:cTn id="20" dur="500" fill="hold"/>
+                                        <p:tgtEl>
+                                          <p:spTgt spid="3">
+                                            <p:txEl>
+                                              <p:pRg st="2" end="2"/>
+                                            </p:txEl>
+                                          </p:spTgt>
+                                        </p:tgtEl>
+                                        <p:attrNameLst>
+                                          <p:attrName>ppt_y</p:attrName>
+                                        </p:attrNameLst>
+                                      </p:cBhvr>
+                                      <p:tavLst>
+                                        <p:tav tm="0">
+                                          <p:val>
+                                            <p:strVal val="1+#ppt_h/2"/>
+                                          </p:val>
+                                        </p:tav>
+                                        <p:tav tm="100000">
+                                          <p:val>
+                                            <p:strVal val="#ppt_y"/>
+                                          </p:val>
+                                        </p:tav>
+                                      </p:tavLst>
+                                    </p:anim>
+                                  </p:childTnLst>
+                                </p:cTn>
+                              </p:par>
+                            </p:childTnLst>
+                          </p:cTn>
+                        </p:par>
+                      </p:childTnLst>
+                    </p:cTn>
+                  </p:par>
+                  <p:par>
+                    <p:cTn id="21" fill="hold">
+                      <p:stCondLst>
+                        <p:cond delay="indefinite"/>
+                      </p:stCondLst>
+                      <p:childTnLst>
+                        <p:par>
+                          <p:cTn id="22" fill="hold">
+                            <p:stCondLst>
+                              <p:cond delay="0"/>
+                            </p:stCondLst>
+                            <p:childTnLst>
+                              <p:par>
+                                <p:cTn id="23" presetID="2" presetClass="entr" presetSubtype="4" fill="hold" nodeType="clickEffect">
+                                  <p:stCondLst>
+                                    <p:cond delay="0"/>
+                                  </p:stCondLst>
+                                  <p:childTnLst>
+                                    <p:set>
+                                      <p:cBhvr>
+                                        <p:cTn id="24" dur="1" fill="hold">
+                                          <p:stCondLst>
+                                            <p:cond delay="0"/>
+                                          </p:stCondLst>
+                                        </p:cTn>
+                                        <p:tgtEl>
+                                          <p:spTgt spid="3">
+                                            <p:txEl>
+                                              <p:pRg st="3" end="3"/>
+                                            </p:txEl>
+                                          </p:spTgt>
+                                        </p:tgtEl>
+                                        <p:attrNameLst>
+                                          <p:attrName>style.visibility</p:attrName>
+                                        </p:attrNameLst>
+                                      </p:cBhvr>
+                                      <p:to>
+                                        <p:strVal val="visible"/>
+                                      </p:to>
+                                    </p:set>
+                                    <p:anim calcmode="lin" valueType="num">
+                                      <p:cBhvr additive="base">
+                                        <p:cTn id="25" dur="500" fill="hold"/>
+                                        <p:tgtEl>
+                                          <p:spTgt spid="3">
+                                            <p:txEl>
+                                              <p:pRg st="3" end="3"/>
+                                            </p:txEl>
+                                          </p:spTgt>
+                                        </p:tgtEl>
+                                        <p:attrNameLst>
+                                          <p:attrName>ppt_x</p:attrName>
+                                        </p:attrNameLst>
+                                      </p:cBhvr>
+                                      <p:tavLst>
+                                        <p:tav tm="0">
+                                          <p:val>
+                                            <p:strVal val="#ppt_x"/>
+                                          </p:val>
+                                        </p:tav>
+                                        <p:tav tm="100000">
+                                          <p:val>
+                                            <p:strVal val="#ppt_x"/>
+                                          </p:val>
+                                        </p:tav>
+                                      </p:tavLst>
+                                    </p:anim>
+                                    <p:anim calcmode="lin" valueType="num">
+                                      <p:cBhvr additive="base">
+                                        <p:cTn id="26" dur="500" fill="hold"/>
+                                        <p:tgtEl>
+                                          <p:spTgt spid="3">
+                                            <p:txEl>
+                                              <p:pRg st="3" end="3"/>
+                                            </p:txEl>
+                                          </p:spTgt>
+                                        </p:tgtEl>
+                                        <p:attrNameLst>
+                                          <p:attrName>ppt_y</p:attrName>
+                                        </p:attrNameLst>
+                                      </p:cBhvr>
+                                      <p:tavLst>
+                                        <p:tav tm="0">
+                                          <p:val>
+                                            <p:strVal val="1+#ppt_h/2"/>
+                                          </p:val>
+                                        </p:tav>
+                                        <p:tav tm="100000">
+                                          <p:val>
+                                            <p:strVal val="#ppt_y"/>
+                                          </p:val>
+                                        </p:tav>
+                                      </p:tavLst>
+                                    </p:anim>
+                                  </p:childTnLst>
+                                </p:cTn>
+                              </p:par>
+                            </p:childTnLst>
+                          </p:cTn>
+                        </p:par>
+                      </p:childTnLst>
+                    </p:cTn>
+                  </p:par>
+                  <p:par>
+                    <p:cTn id="27" fill="hold">
+                      <p:stCondLst>
+                        <p:cond delay="indefinite"/>
+                      </p:stCondLst>
+                      <p:childTnLst>
+                        <p:par>
+                          <p:cTn id="28" fill="hold">
+                            <p:stCondLst>
+                              <p:cond delay="0"/>
+                            </p:stCondLst>
+                            <p:childTnLst>
+                              <p:par>
+                                <p:cTn id="29" presetID="2" presetClass="entr" presetSubtype="4" fill="hold" nodeType="clickEffect">
+                                  <p:stCondLst>
+                                    <p:cond delay="0"/>
+                                  </p:stCondLst>
+                                  <p:childTnLst>
+                                    <p:set>
+                                      <p:cBhvr>
+                                        <p:cTn id="30" dur="1" fill="hold">
+                                          <p:stCondLst>
+                                            <p:cond delay="0"/>
+                                          </p:stCondLst>
+                                        </p:cTn>
+                                        <p:tgtEl>
+                                          <p:spTgt spid="3">
+                                            <p:txEl>
+                                              <p:pRg st="4" end="4"/>
+                                            </p:txEl>
+                                          </p:spTgt>
+                                        </p:tgtEl>
+                                        <p:attrNameLst>
+                                          <p:attrName>style.visibility</p:attrName>
+                                        </p:attrNameLst>
+                                      </p:cBhvr>
+                                      <p:to>
+                                        <p:strVal val="visible"/>
+                                      </p:to>
+                                    </p:set>
+                                    <p:anim calcmode="lin" valueType="num">
+                                      <p:cBhvr additive="base">
+                                        <p:cTn id="31" dur="500" fill="hold"/>
+                                        <p:tgtEl>
+                                          <p:spTgt spid="3">
+                                            <p:txEl>
+                                              <p:pRg st="4" end="4"/>
+                                            </p:txEl>
+                                          </p:spTgt>
+                                        </p:tgtEl>
+                                        <p:attrNameLst>
+                                          <p:attrName>ppt_x</p:attrName>
+                                        </p:attrNameLst>
+                                      </p:cBhvr>
+                                      <p:tavLst>
+                                        <p:tav tm="0">
+                                          <p:val>
+                                            <p:strVal val="#ppt_x"/>
+                                          </p:val>
+                                        </p:tav>
+                                        <p:tav tm="100000">
+                                          <p:val>
+                                            <p:strVal val="#ppt_x"/>
+                                          </p:val>
+                                        </p:tav>
+                                      </p:tavLst>
+                                    </p:anim>
+                                    <p:anim calcmode="lin" valueType="num">
+                                      <p:cBhvr additive="base">
+                                        <p:cTn id="32" dur="500" fill="hold"/>
+                                        <p:tgtEl>
+                                          <p:spTgt spid="3">
+                                            <p:txEl>
+                                              <p:pRg st="4" end="4"/>
+                                            </p:txEl>
+                                          </p:spTgt>
+                                        </p:tgtEl>
+                                        <p:attrNameLst>
+                                          <p:attrName>ppt_y</p:attrName>
+                                        </p:attrNameLst>
+                                      </p:cBhvr>
+                                      <p:tavLst>
+                                        <p:tav tm="0">
+                                          <p:val>
+                                            <p:strVal val="1+#ppt_h/2"/>
+                                          </p:val>
+                                        </p:tav>
+                                        <p:tav tm="100000">
+                                          <p:val>
+                                            <p:strVal val="#ppt_y"/>
+                                          </p:val>
+                                        </p:tav>
+                                      </p:tavLst>
+                                    </p:anim>
+                                  </p:childTnLst>
+                                </p:cTn>
+                              </p:par>
+                            </p:childTnLst>
+                          </p:cTn>
+                        </p:par>
+                      </p:childTnLst>
+                    </p:cTn>
+                  </p:par>
+                  <p:par>
+                    <p:cTn id="33" fill="hold">
+                      <p:stCondLst>
+                        <p:cond delay="indefinite"/>
+                      </p:stCondLst>
+                      <p:childTnLst>
+                        <p:par>
+                          <p:cTn id="34" fill="hold">
+                            <p:stCondLst>
+                              <p:cond delay="0"/>
+                            </p:stCondLst>
+                            <p:childTnLst>
+                              <p:par>
+                                <p:cTn id="35" presetID="2" presetClass="entr" presetSubtype="4" fill="hold" nodeType="clickEffect">
+                                  <p:stCondLst>
+                                    <p:cond delay="0"/>
+                                  </p:stCondLst>
+                                  <p:childTnLst>
+                                    <p:set>
+                                      <p:cBhvr>
+                                        <p:cTn id="36" dur="1" fill="hold">
+                                          <p:stCondLst>
+                                            <p:cond delay="0"/>
+                                          </p:stCondLst>
+                                        </p:cTn>
+                                        <p:tgtEl>
+                                          <p:spTgt spid="3">
+                                            <p:txEl>
+                                              <p:pRg st="5" end="5"/>
+                                            </p:txEl>
+                                          </p:spTgt>
+                                        </p:tgtEl>
+                                        <p:attrNameLst>
+                                          <p:attrName>style.visibility</p:attrName>
+                                        </p:attrNameLst>
+                                      </p:cBhvr>
+                                      <p:to>
+                                        <p:strVal val="visible"/>
+                                      </p:to>
+                                    </p:set>
+                                    <p:anim calcmode="lin" valueType="num">
+                                      <p:cBhvr additive="base">
+                                        <p:cTn id="37" dur="500" fill="hold"/>
+                                        <p:tgtEl>
+                                          <p:spTgt spid="3">
+                                            <p:txEl>
+                                              <p:pRg st="5" end="5"/>
+                                            </p:txEl>
+                                          </p:spTgt>
+                                        </p:tgtEl>
+                                        <p:attrNameLst>
+                                          <p:attrName>ppt_x</p:attrName>
+                                        </p:attrNameLst>
+                                      </p:cBhvr>
+                                      <p:tavLst>
+                                        <p:tav tm="0">
+                                          <p:val>
+                                            <p:strVal val="#ppt_x"/>
+                                          </p:val>
+                                        </p:tav>
+                                        <p:tav tm="100000">
+                                          <p:val>
+                                            <p:strVal val="#ppt_x"/>
+                                          </p:val>
+                                        </p:tav>
+                                      </p:tavLst>
+                                    </p:anim>
+                                    <p:anim calcmode="lin" valueType="num">
+                                      <p:cBhvr additive="base">
+                                        <p:cTn id="38" dur="500" fill="hold"/>
+                                        <p:tgtEl>
+                                          <p:spTgt spid="3">
+                                            <p:txEl>
+                                              <p:pRg st="5" end="5"/>
+                                            </p:txEl>
+                                          </p:spTgt>
+                                        </p:tgtEl>
+                                        <p:attrNameLst>
+                                          <p:attrName>ppt_y</p:attrName>
+                                        </p:attrNameLst>
+                                      </p:cBhvr>
+                                      <p:tavLst>
+                                        <p:tav tm="0">
+                                          <p:val>
+                                            <p:strVal val="1+#ppt_h/2"/>
+                                          </p:val>
+                                        </p:tav>
+                                        <p:tav tm="100000">
+                                          <p:val>
+                                            <p:strVal val="#ppt_y"/>
+                                          </p:val>
+                                        </p:tav>
+                                      </p:tavLst>
+                                    </p:anim>
+                                  </p:childTnLst>
+                                </p:cTn>
+                              </p:par>
+                            </p:childTnLst>
+                          </p:cTn>
+                        </p:par>
+                      </p:childTnLst>
+                    </p:cTn>
+                  </p:par>
+                </p:childTnLst>
+              </p:cTn>
+              <p:prevCondLst>
+                <p:cond evt="onPrev" delay="0">
+                  <p:tgtEl>
+                    <p:sldTgt/>
+                  </p:tgtEl>
+                </p:cond>
+              </p:prevCondLst>
+              <p:nextCondLst>
+                <p:cond evt="onNext" delay="0">
+                  <p:tgtEl>
+                    <p:sldTgt/>
+                  </p:tgtEl>
+                </p:cond>
+              </p:nextCondLst>
+            </p:seq>
+          </p:childTnLst>
+        </p:cTn>
+      </p:par>
+    </p:tnLst>
+  </p:timing>
 </p:sld>
 </file>
 
